--- a/report/SE_happyfarm.pptx
+++ b/report/SE_happyfarm.pptx
@@ -29,9 +29,10 @@
     <p:sldId id="279" r:id="rId23"/>
     <p:sldId id="280" r:id="rId24"/>
     <p:sldId id="281" r:id="rId25"/>
-    <p:sldId id="282" r:id="rId26"/>
-    <p:sldId id="283" r:id="rId27"/>
-    <p:sldId id="284" r:id="rId28"/>
+    <p:sldId id="290" r:id="rId26"/>
+    <p:sldId id="282" r:id="rId27"/>
+    <p:sldId id="283" r:id="rId28"/>
+    <p:sldId id="284" r:id="rId29"/>
   </p:sldIdLst>
   <p:sldSz cx="12192000" cy="6858000"/>
   <p:notesSz cx="6858000" cy="9144000"/>
@@ -269,7 +270,7 @@
           <a:p>
             <a:fld id="{6A97E44A-BAB6-46D4-883A-2619CFDFAF45}" type="datetimeFigureOut">
               <a:rPr lang="zh-TW" altLang="en-US" smtClean="0"/>
-              <a:t>2015/12/7</a:t>
+              <a:t>2015/12/12</a:t>
             </a:fld>
             <a:endParaRPr lang="zh-TW" altLang="en-US"/>
           </a:p>
@@ -439,7 +440,7 @@
           <a:p>
             <a:fld id="{6A97E44A-BAB6-46D4-883A-2619CFDFAF45}" type="datetimeFigureOut">
               <a:rPr lang="zh-TW" altLang="en-US" smtClean="0"/>
-              <a:t>2015/12/7</a:t>
+              <a:t>2015/12/12</a:t>
             </a:fld>
             <a:endParaRPr lang="zh-TW" altLang="en-US"/>
           </a:p>
@@ -619,7 +620,7 @@
           <a:p>
             <a:fld id="{6A97E44A-BAB6-46D4-883A-2619CFDFAF45}" type="datetimeFigureOut">
               <a:rPr lang="zh-TW" altLang="en-US" smtClean="0"/>
-              <a:t>2015/12/7</a:t>
+              <a:t>2015/12/12</a:t>
             </a:fld>
             <a:endParaRPr lang="zh-TW" altLang="en-US"/>
           </a:p>
@@ -789,7 +790,7 @@
           <a:p>
             <a:fld id="{6A97E44A-BAB6-46D4-883A-2619CFDFAF45}" type="datetimeFigureOut">
               <a:rPr lang="zh-TW" altLang="en-US" smtClean="0"/>
-              <a:t>2015/12/7</a:t>
+              <a:t>2015/12/12</a:t>
             </a:fld>
             <a:endParaRPr lang="zh-TW" altLang="en-US"/>
           </a:p>
@@ -1035,7 +1036,7 @@
           <a:p>
             <a:fld id="{6A97E44A-BAB6-46D4-883A-2619CFDFAF45}" type="datetimeFigureOut">
               <a:rPr lang="zh-TW" altLang="en-US" smtClean="0"/>
-              <a:t>2015/12/7</a:t>
+              <a:t>2015/12/12</a:t>
             </a:fld>
             <a:endParaRPr lang="zh-TW" altLang="en-US"/>
           </a:p>
@@ -1267,7 +1268,7 @@
           <a:p>
             <a:fld id="{6A97E44A-BAB6-46D4-883A-2619CFDFAF45}" type="datetimeFigureOut">
               <a:rPr lang="zh-TW" altLang="en-US" smtClean="0"/>
-              <a:t>2015/12/7</a:t>
+              <a:t>2015/12/12</a:t>
             </a:fld>
             <a:endParaRPr lang="zh-TW" altLang="en-US"/>
           </a:p>
@@ -1634,7 +1635,7 @@
           <a:p>
             <a:fld id="{6A97E44A-BAB6-46D4-883A-2619CFDFAF45}" type="datetimeFigureOut">
               <a:rPr lang="zh-TW" altLang="en-US" smtClean="0"/>
-              <a:t>2015/12/7</a:t>
+              <a:t>2015/12/12</a:t>
             </a:fld>
             <a:endParaRPr lang="zh-TW" altLang="en-US"/>
           </a:p>
@@ -1752,7 +1753,7 @@
           <a:p>
             <a:fld id="{6A97E44A-BAB6-46D4-883A-2619CFDFAF45}" type="datetimeFigureOut">
               <a:rPr lang="zh-TW" altLang="en-US" smtClean="0"/>
-              <a:t>2015/12/7</a:t>
+              <a:t>2015/12/12</a:t>
             </a:fld>
             <a:endParaRPr lang="zh-TW" altLang="en-US"/>
           </a:p>
@@ -1847,7 +1848,7 @@
           <a:p>
             <a:fld id="{6A97E44A-BAB6-46D4-883A-2619CFDFAF45}" type="datetimeFigureOut">
               <a:rPr lang="zh-TW" altLang="en-US" smtClean="0"/>
-              <a:t>2015/12/7</a:t>
+              <a:t>2015/12/12</a:t>
             </a:fld>
             <a:endParaRPr lang="zh-TW" altLang="en-US"/>
           </a:p>
@@ -2124,7 +2125,7 @@
           <a:p>
             <a:fld id="{6A97E44A-BAB6-46D4-883A-2619CFDFAF45}" type="datetimeFigureOut">
               <a:rPr lang="zh-TW" altLang="en-US" smtClean="0"/>
-              <a:t>2015/12/7</a:t>
+              <a:t>2015/12/12</a:t>
             </a:fld>
             <a:endParaRPr lang="zh-TW" altLang="en-US"/>
           </a:p>
@@ -2377,7 +2378,7 @@
           <a:p>
             <a:fld id="{6A97E44A-BAB6-46D4-883A-2619CFDFAF45}" type="datetimeFigureOut">
               <a:rPr lang="zh-TW" altLang="en-US" smtClean="0"/>
-              <a:t>2015/12/7</a:t>
+              <a:t>2015/12/12</a:t>
             </a:fld>
             <a:endParaRPr lang="zh-TW" altLang="en-US"/>
           </a:p>
@@ -2590,7 +2591,7 @@
           <a:p>
             <a:fld id="{6A97E44A-BAB6-46D4-883A-2619CFDFAF45}" type="datetimeFigureOut">
               <a:rPr lang="zh-TW" altLang="en-US" smtClean="0"/>
-              <a:t>2015/12/7</a:t>
+              <a:t>2015/12/12</a:t>
             </a:fld>
             <a:endParaRPr lang="zh-TW" altLang="en-US"/>
           </a:p>
@@ -3297,6 +3298,13 @@
   <p:clrMapOvr>
     <a:masterClrMapping/>
   </p:clrMapOvr>
+  <p:timing>
+    <p:tnLst>
+      <p:par>
+        <p:cTn id="1" dur="indefinite" restart="never" nodeType="tmRoot"/>
+      </p:par>
+    </p:tnLst>
+  </p:timing>
 </p:sld>
 </file>
 
@@ -3620,17 +3628,7 @@
                 <a:latin typeface="微軟正黑體" panose="020B0604030504040204" pitchFamily="34" charset="-120"/>
                 <a:ea typeface="微軟正黑體" panose="020B0604030504040204" pitchFamily="34" charset="-120"/>
               </a:rPr>
-              <a:t>        </a:t>
-            </a:r>
-            <a:r>
-              <a:rPr lang="zh-TW" altLang="en-US" b="1" dirty="0" smtClean="0">
-                <a:solidFill>
-                  <a:schemeClr val="tx1"/>
-                </a:solidFill>
-                <a:latin typeface="微軟正黑體" panose="020B0604030504040204" pitchFamily="34" charset="-120"/>
-                <a:ea typeface="微軟正黑體" panose="020B0604030504040204" pitchFamily="34" charset="-120"/>
-              </a:rPr>
-              <a:t>可藉由商店購買體力。</a:t>
+              <a:t>        可藉由商店購買體力。</a:t>
             </a:r>
             <a:endParaRPr lang="zh-TW" altLang="en-US" b="1" dirty="0">
               <a:solidFill>
@@ -4834,6 +4832,13 @@
   <p:clrMapOvr>
     <a:masterClrMapping/>
   </p:clrMapOvr>
+  <p:timing>
+    <p:tnLst>
+      <p:par>
+        <p:cTn id="1" dur="indefinite" restart="never" nodeType="tmRoot"/>
+      </p:par>
+    </p:tnLst>
+  </p:timing>
 </p:sld>
 </file>
 
@@ -5480,6 +5485,13 @@
   <p:clrMapOvr>
     <a:masterClrMapping/>
   </p:clrMapOvr>
+  <p:timing>
+    <p:tnLst>
+      <p:par>
+        <p:cTn id="1" dur="indefinite" restart="never" nodeType="tmRoot"/>
+      </p:par>
+    </p:tnLst>
+  </p:timing>
 </p:sld>
 </file>
 
@@ -5615,7 +5627,21 @@
                 <a:latin typeface="微軟正黑體" panose="020B0604030504040204" pitchFamily="34" charset="-120"/>
                 <a:ea typeface="微軟正黑體" panose="020B0604030504040204" pitchFamily="34" charset="-120"/>
               </a:rPr>
-              <a:t>用錢</a:t>
+              <a:t>損失金錢</a:t>
+            </a:r>
+            <a:r>
+              <a:rPr lang="zh-TW" altLang="en-US" dirty="0">
+                <a:latin typeface="微軟正黑體" panose="020B0604030504040204" pitchFamily="34" charset="-120"/>
+                <a:ea typeface="微軟正黑體" panose="020B0604030504040204" pitchFamily="34" charset="-120"/>
+              </a:rPr>
+              <a:t>、</a:t>
+            </a:r>
+            <a:r>
+              <a:rPr lang="zh-TW" altLang="en-US" dirty="0" smtClean="0">
+                <a:latin typeface="微軟正黑體" panose="020B0604030504040204" pitchFamily="34" charset="-120"/>
+                <a:ea typeface="微軟正黑體" panose="020B0604030504040204" pitchFamily="34" charset="-120"/>
+              </a:rPr>
+              <a:t>體力</a:t>
             </a:r>
             <a:r>
               <a:rPr lang="en-US" altLang="zh-TW" dirty="0" smtClean="0">
@@ -5635,14 +5661,14 @@
                 <a:latin typeface="微軟正黑體" panose="020B0604030504040204" pitchFamily="34" charset="-120"/>
                 <a:ea typeface="微軟正黑體" panose="020B0604030504040204" pitchFamily="34" charset="-120"/>
               </a:rPr>
-              <a:t>用體</a:t>
+              <a:t>獲得經</a:t>
             </a:r>
             <a:r>
               <a:rPr lang="zh-TW" altLang="en-US" dirty="0">
                 <a:latin typeface="微軟正黑體" panose="020B0604030504040204" pitchFamily="34" charset="-120"/>
                 <a:ea typeface="微軟正黑體" panose="020B0604030504040204" pitchFamily="34" charset="-120"/>
               </a:rPr>
-              <a:t>力</a:t>
+              <a:t>驗值</a:t>
             </a:r>
           </a:p>
         </p:txBody>
@@ -5657,6 +5683,13 @@
   <p:clrMapOvr>
     <a:masterClrMapping/>
   </p:clrMapOvr>
+  <p:timing>
+    <p:tnLst>
+      <p:par>
+        <p:cTn id="1" dur="indefinite" restart="never" nodeType="tmRoot"/>
+      </p:par>
+    </p:tnLst>
+  </p:timing>
 </p:sld>
 </file>
 
@@ -5707,6 +5740,126 @@
           </a:prstGeom>
         </p:spPr>
       </p:pic>
+      <p:pic>
+        <p:nvPicPr>
+          <p:cNvPr id="3" name="圖片 2"/>
+          <p:cNvPicPr>
+            <a:picLocks/>
+          </p:cNvPicPr>
+          <p:nvPr/>
+        </p:nvPicPr>
+        <p:blipFill>
+          <a:blip r:embed="rId3" cstate="print">
+            <a:extLst>
+              <a:ext uri="{28A0092B-C50C-407E-A947-70E740481C1C}">
+                <a14:useLocalDpi xmlns:a14="http://schemas.microsoft.com/office/drawing/2010/main" val="0"/>
+              </a:ext>
+            </a:extLst>
+          </a:blip>
+          <a:stretch>
+            <a:fillRect/>
+          </a:stretch>
+        </p:blipFill>
+        <p:spPr>
+          <a:xfrm>
+            <a:off x="2239200" y="1317600"/>
+            <a:ext cx="7606800" cy="4212000"/>
+          </a:xfrm>
+          <a:prstGeom prst="rect">
+            <a:avLst/>
+          </a:prstGeom>
+        </p:spPr>
+      </p:pic>
+      <p:pic>
+        <p:nvPicPr>
+          <p:cNvPr id="2" name="圖片 1"/>
+          <p:cNvPicPr>
+            <a:picLocks noChangeAspect="1"/>
+          </p:cNvPicPr>
+          <p:nvPr/>
+        </p:nvPicPr>
+        <p:blipFill>
+          <a:blip r:embed="rId4">
+            <a:extLst>
+              <a:ext uri="{28A0092B-C50C-407E-A947-70E740481C1C}">
+                <a14:useLocalDpi xmlns:a14="http://schemas.microsoft.com/office/drawing/2010/main" val="0"/>
+              </a:ext>
+            </a:extLst>
+          </a:blip>
+          <a:stretch>
+            <a:fillRect/>
+          </a:stretch>
+        </p:blipFill>
+        <p:spPr>
+          <a:xfrm>
+            <a:off x="4099152" y="4153990"/>
+            <a:ext cx="630111" cy="612729"/>
+          </a:xfrm>
+          <a:prstGeom prst="rect">
+            <a:avLst/>
+          </a:prstGeom>
+        </p:spPr>
+      </p:pic>
+      <p:pic>
+        <p:nvPicPr>
+          <p:cNvPr id="7" name="圖片 6"/>
+          <p:cNvPicPr>
+            <a:picLocks noChangeAspect="1"/>
+          </p:cNvPicPr>
+          <p:nvPr/>
+        </p:nvPicPr>
+        <p:blipFill>
+          <a:blip r:embed="rId5" cstate="print">
+            <a:extLst>
+              <a:ext uri="{28A0092B-C50C-407E-A947-70E740481C1C}">
+                <a14:useLocalDpi xmlns:a14="http://schemas.microsoft.com/office/drawing/2010/main" val="0"/>
+              </a:ext>
+            </a:extLst>
+          </a:blip>
+          <a:stretch>
+            <a:fillRect/>
+          </a:stretch>
+        </p:blipFill>
+        <p:spPr>
+          <a:xfrm>
+            <a:off x="4269958" y="4479653"/>
+            <a:ext cx="459305" cy="574131"/>
+          </a:xfrm>
+          <a:prstGeom prst="rect">
+            <a:avLst/>
+          </a:prstGeom>
+        </p:spPr>
+      </p:pic>
+      <p:pic>
+        <p:nvPicPr>
+          <p:cNvPr id="13" name="圖片 12"/>
+          <p:cNvPicPr>
+            <a:picLocks noChangeAspect="1"/>
+          </p:cNvPicPr>
+          <p:nvPr/>
+        </p:nvPicPr>
+        <p:blipFill>
+          <a:blip r:embed="rId6" cstate="print">
+            <a:extLst>
+              <a:ext uri="{28A0092B-C50C-407E-A947-70E740481C1C}">
+                <a14:useLocalDpi xmlns:a14="http://schemas.microsoft.com/office/drawing/2010/main" val="0"/>
+              </a:ext>
+            </a:extLst>
+          </a:blip>
+          <a:stretch>
+            <a:fillRect/>
+          </a:stretch>
+        </p:blipFill>
+        <p:spPr>
+          <a:xfrm>
+            <a:off x="3074469" y="1390127"/>
+            <a:ext cx="1611832" cy="638515"/>
+          </a:xfrm>
+          <a:prstGeom prst="rect">
+            <a:avLst/>
+          </a:prstGeom>
+        </p:spPr>
+      </p:pic>
     </p:spTree>
     <p:extLst>
       <p:ext uri="{BB962C8B-B14F-4D97-AF65-F5344CB8AC3E}">
@@ -5720,7 +5873,121 @@
   <p:timing>
     <p:tnLst>
       <p:par>
-        <p:cTn id="1" dur="indefinite" restart="never" nodeType="tmRoot"/>
+        <p:cTn id="1" dur="indefinite" restart="never" nodeType="tmRoot">
+          <p:childTnLst>
+            <p:seq concurrent="1" nextAc="seek">
+              <p:cTn id="2" dur="indefinite" nodeType="mainSeq">
+                <p:childTnLst>
+                  <p:par>
+                    <p:cTn id="3" fill="hold">
+                      <p:stCondLst>
+                        <p:cond delay="indefinite"/>
+                      </p:stCondLst>
+                      <p:childTnLst>
+                        <p:par>
+                          <p:cTn id="4" fill="hold">
+                            <p:stCondLst>
+                              <p:cond delay="0"/>
+                            </p:stCondLst>
+                            <p:childTnLst>
+                              <p:par>
+                                <p:cTn id="5" presetID="2" presetClass="entr" presetSubtype="4" fill="hold" nodeType="clickEffect">
+                                  <p:stCondLst>
+                                    <p:cond delay="0"/>
+                                  </p:stCondLst>
+                                  <p:childTnLst>
+                                    <p:set>
+                                      <p:cBhvr>
+                                        <p:cTn id="6" dur="1" fill="hold">
+                                          <p:stCondLst>
+                                            <p:cond delay="0"/>
+                                          </p:stCondLst>
+                                        </p:cTn>
+                                        <p:tgtEl>
+                                          <p:spTgt spid="7"/>
+                                        </p:tgtEl>
+                                        <p:attrNameLst>
+                                          <p:attrName>style.visibility</p:attrName>
+                                        </p:attrNameLst>
+                                      </p:cBhvr>
+                                      <p:to>
+                                        <p:strVal val="visible"/>
+                                      </p:to>
+                                    </p:set>
+                                    <p:anim calcmode="lin" valueType="num">
+                                      <p:cBhvr additive="base">
+                                        <p:cTn id="7" dur="500" fill="hold"/>
+                                        <p:tgtEl>
+                                          <p:spTgt spid="7"/>
+                                        </p:tgtEl>
+                                        <p:attrNameLst>
+                                          <p:attrName>ppt_x</p:attrName>
+                                        </p:attrNameLst>
+                                      </p:cBhvr>
+                                      <p:tavLst>
+                                        <p:tav tm="0">
+                                          <p:val>
+                                            <p:strVal val="#ppt_x"/>
+                                          </p:val>
+                                        </p:tav>
+                                        <p:tav tm="100000">
+                                          <p:val>
+                                            <p:strVal val="#ppt_x"/>
+                                          </p:val>
+                                        </p:tav>
+                                      </p:tavLst>
+                                    </p:anim>
+                                    <p:anim calcmode="lin" valueType="num">
+                                      <p:cBhvr additive="base">
+                                        <p:cTn id="8" dur="500" fill="hold"/>
+                                        <p:tgtEl>
+                                          <p:spTgt spid="7"/>
+                                        </p:tgtEl>
+                                        <p:attrNameLst>
+                                          <p:attrName>ppt_y</p:attrName>
+                                        </p:attrNameLst>
+                                      </p:cBhvr>
+                                      <p:tavLst>
+                                        <p:tav tm="0">
+                                          <p:val>
+                                            <p:strVal val="1+#ppt_h/2"/>
+                                          </p:val>
+                                        </p:tav>
+                                        <p:tav tm="100000">
+                                          <p:val>
+                                            <p:strVal val="#ppt_y"/>
+                                          </p:val>
+                                        </p:tav>
+                                      </p:tavLst>
+                                    </p:anim>
+                                  </p:childTnLst>
+                                </p:cTn>
+                              </p:par>
+                            </p:childTnLst>
+                          </p:cTn>
+                        </p:par>
+                      </p:childTnLst>
+                    </p:cTn>
+                  </p:par>
+                </p:childTnLst>
+              </p:cTn>
+              <p:prevCondLst>
+                <p:cond evt="onPrev" delay="0">
+                  <p:tgtEl>
+                    <p:sldTgt/>
+                  </p:tgtEl>
+                </p:cond>
+              </p:prevCondLst>
+              <p:nextCondLst>
+                <p:cond evt="onNext" delay="0">
+                  <p:tgtEl>
+                    <p:sldTgt/>
+                  </p:tgtEl>
+                </p:cond>
+              </p:nextCondLst>
+            </p:seq>
+          </p:childTnLst>
+        </p:cTn>
       </p:par>
     </p:tnLst>
   </p:timing>
@@ -5774,10 +6041,711 @@
           </a:prstGeom>
         </p:spPr>
       </p:pic>
+      <p:pic>
+        <p:nvPicPr>
+          <p:cNvPr id="3" name="圖片 2"/>
+          <p:cNvPicPr>
+            <a:picLocks/>
+          </p:cNvPicPr>
+          <p:nvPr/>
+        </p:nvPicPr>
+        <p:blipFill>
+          <a:blip r:embed="rId3" cstate="print">
+            <a:extLst>
+              <a:ext uri="{28A0092B-C50C-407E-A947-70E740481C1C}">
+                <a14:useLocalDpi xmlns:a14="http://schemas.microsoft.com/office/drawing/2010/main" val="0"/>
+              </a:ext>
+            </a:extLst>
+          </a:blip>
+          <a:stretch>
+            <a:fillRect/>
+          </a:stretch>
+        </p:blipFill>
+        <p:spPr>
+          <a:xfrm>
+            <a:off x="2239200" y="1317600"/>
+            <a:ext cx="7606800" cy="4212000"/>
+          </a:xfrm>
+          <a:prstGeom prst="rect">
+            <a:avLst/>
+          </a:prstGeom>
+        </p:spPr>
+      </p:pic>
+      <p:pic>
+        <p:nvPicPr>
+          <p:cNvPr id="5" name="圖片 4"/>
+          <p:cNvPicPr>
+            <a:picLocks noChangeAspect="1"/>
+          </p:cNvPicPr>
+          <p:nvPr/>
+        </p:nvPicPr>
+        <p:blipFill>
+          <a:blip r:embed="rId4">
+            <a:extLst>
+              <a:ext uri="{28A0092B-C50C-407E-A947-70E740481C1C}">
+                <a14:useLocalDpi xmlns:a14="http://schemas.microsoft.com/office/drawing/2010/main" val="0"/>
+              </a:ext>
+            </a:extLst>
+          </a:blip>
+          <a:stretch>
+            <a:fillRect/>
+          </a:stretch>
+        </p:blipFill>
+        <p:spPr>
+          <a:xfrm>
+            <a:off x="4099152" y="4153990"/>
+            <a:ext cx="630111" cy="612729"/>
+          </a:xfrm>
+          <a:prstGeom prst="rect">
+            <a:avLst/>
+          </a:prstGeom>
+        </p:spPr>
+      </p:pic>
+      <p:grpSp>
+        <p:nvGrpSpPr>
+          <p:cNvPr id="6" name="群組 5"/>
+          <p:cNvGrpSpPr/>
+          <p:nvPr/>
+        </p:nvGrpSpPr>
+        <p:grpSpPr>
+          <a:xfrm>
+            <a:off x="4604786" y="2825403"/>
+            <a:ext cx="2865278" cy="1190278"/>
+            <a:chOff x="4332356" y="2881979"/>
+            <a:chExt cx="3410138" cy="1190278"/>
+          </a:xfrm>
+        </p:grpSpPr>
+        <p:sp>
+          <p:nvSpPr>
+            <p:cNvPr id="7" name="圓角矩形 6"/>
+            <p:cNvSpPr/>
+            <p:nvPr/>
+          </p:nvSpPr>
+          <p:spPr>
+            <a:xfrm>
+              <a:off x="4332356" y="2881979"/>
+              <a:ext cx="3410138" cy="1190278"/>
+            </a:xfrm>
+            <a:prstGeom prst="roundRect">
+              <a:avLst/>
+            </a:prstGeom>
+          </p:spPr>
+          <p:style>
+            <a:lnRef idx="3">
+              <a:schemeClr val="lt1"/>
+            </a:lnRef>
+            <a:fillRef idx="1">
+              <a:schemeClr val="accent4"/>
+            </a:fillRef>
+            <a:effectRef idx="1">
+              <a:schemeClr val="accent4"/>
+            </a:effectRef>
+            <a:fontRef idx="minor">
+              <a:schemeClr val="lt1"/>
+            </a:fontRef>
+          </p:style>
+          <p:txBody>
+            <a:bodyPr rtlCol="0" anchor="ctr"/>
+            <a:lstStyle/>
+            <a:p>
+              <a:pPr algn="ctr"/>
+              <a:r>
+                <a:rPr lang="zh-TW" altLang="en-US" b="1" dirty="0" smtClean="0">
+                  <a:solidFill>
+                    <a:schemeClr val="tx1"/>
+                  </a:solidFill>
+                  <a:latin typeface="微軟正黑體" panose="020B0604030504040204" pitchFamily="34" charset="-120"/>
+                  <a:ea typeface="微軟正黑體" panose="020B0604030504040204" pitchFamily="34" charset="-120"/>
+                </a:rPr>
+                <a:t>是否確定採收</a:t>
+              </a:r>
+              <a:r>
+                <a:rPr lang="en-US" altLang="zh-TW" b="1" dirty="0" smtClean="0">
+                  <a:solidFill>
+                    <a:schemeClr val="tx1"/>
+                  </a:solidFill>
+                  <a:latin typeface="微軟正黑體" panose="020B0604030504040204" pitchFamily="34" charset="-120"/>
+                  <a:ea typeface="微軟正黑體" panose="020B0604030504040204" pitchFamily="34" charset="-120"/>
+                </a:rPr>
+                <a:t>?</a:t>
+              </a:r>
+            </a:p>
+            <a:p>
+              <a:pPr algn="ctr"/>
+              <a:endParaRPr lang="en-US" altLang="zh-TW" b="1" dirty="0">
+                <a:solidFill>
+                  <a:schemeClr val="tx1"/>
+                </a:solidFill>
+                <a:latin typeface="微軟正黑體" panose="020B0604030504040204" pitchFamily="34" charset="-120"/>
+                <a:ea typeface="微軟正黑體" panose="020B0604030504040204" pitchFamily="34" charset="-120"/>
+              </a:endParaRPr>
+            </a:p>
+            <a:p>
+              <a:pPr algn="ctr"/>
+              <a:endParaRPr lang="en-US" altLang="zh-TW" b="1" dirty="0" smtClean="0">
+                <a:solidFill>
+                  <a:schemeClr val="tx1"/>
+                </a:solidFill>
+                <a:latin typeface="微軟正黑體" panose="020B0604030504040204" pitchFamily="34" charset="-120"/>
+                <a:ea typeface="微軟正黑體" panose="020B0604030504040204" pitchFamily="34" charset="-120"/>
+              </a:endParaRPr>
+            </a:p>
+          </p:txBody>
+        </p:sp>
+        <p:sp>
+          <p:nvSpPr>
+            <p:cNvPr id="8" name="圓角矩形 7"/>
+            <p:cNvSpPr/>
+            <p:nvPr/>
+          </p:nvSpPr>
+          <p:spPr>
+            <a:xfrm>
+              <a:off x="4974568" y="3477118"/>
+              <a:ext cx="600892" cy="418011"/>
+            </a:xfrm>
+            <a:prstGeom prst="roundRect">
+              <a:avLst/>
+            </a:prstGeom>
+          </p:spPr>
+          <p:style>
+            <a:lnRef idx="1">
+              <a:schemeClr val="accent4"/>
+            </a:lnRef>
+            <a:fillRef idx="2">
+              <a:schemeClr val="accent4"/>
+            </a:fillRef>
+            <a:effectRef idx="1">
+              <a:schemeClr val="accent4"/>
+            </a:effectRef>
+            <a:fontRef idx="minor">
+              <a:schemeClr val="dk1"/>
+            </a:fontRef>
+          </p:style>
+          <p:txBody>
+            <a:bodyPr rtlCol="0" anchor="ctr"/>
+            <a:lstStyle/>
+            <a:p>
+              <a:pPr algn="ctr"/>
+              <a:r>
+                <a:rPr lang="zh-TW" altLang="en-US" b="1" dirty="0" smtClean="0"/>
+                <a:t>是</a:t>
+              </a:r>
+              <a:endParaRPr lang="zh-TW" altLang="en-US" b="1" dirty="0"/>
+            </a:p>
+          </p:txBody>
+        </p:sp>
+        <p:sp>
+          <p:nvSpPr>
+            <p:cNvPr id="9" name="圓角矩形 8"/>
+            <p:cNvSpPr/>
+            <p:nvPr/>
+          </p:nvSpPr>
+          <p:spPr>
+            <a:xfrm>
+              <a:off x="6570370" y="3438739"/>
+              <a:ext cx="600892" cy="418011"/>
+            </a:xfrm>
+            <a:prstGeom prst="roundRect">
+              <a:avLst/>
+            </a:prstGeom>
+          </p:spPr>
+          <p:style>
+            <a:lnRef idx="1">
+              <a:schemeClr val="accent4"/>
+            </a:lnRef>
+            <a:fillRef idx="2">
+              <a:schemeClr val="accent4"/>
+            </a:fillRef>
+            <a:effectRef idx="1">
+              <a:schemeClr val="accent4"/>
+            </a:effectRef>
+            <a:fontRef idx="minor">
+              <a:schemeClr val="dk1"/>
+            </a:fontRef>
+          </p:style>
+          <p:txBody>
+            <a:bodyPr rtlCol="0" anchor="ctr"/>
+            <a:lstStyle/>
+            <a:p>
+              <a:pPr algn="ctr"/>
+              <a:r>
+                <a:rPr lang="zh-TW" altLang="en-US" b="1" dirty="0" smtClean="0"/>
+                <a:t>否</a:t>
+              </a:r>
+              <a:endParaRPr lang="zh-TW" altLang="en-US" b="1" dirty="0"/>
+            </a:p>
+          </p:txBody>
+        </p:sp>
+      </p:grpSp>
+      <p:pic>
+        <p:nvPicPr>
+          <p:cNvPr id="10" name="圖片 9"/>
+          <p:cNvPicPr>
+            <a:picLocks noChangeAspect="1"/>
+          </p:cNvPicPr>
+          <p:nvPr/>
+        </p:nvPicPr>
+        <p:blipFill>
+          <a:blip r:embed="rId5" cstate="print">
+            <a:extLst>
+              <a:ext uri="{28A0092B-C50C-407E-A947-70E740481C1C}">
+                <a14:useLocalDpi xmlns:a14="http://schemas.microsoft.com/office/drawing/2010/main" val="0"/>
+              </a:ext>
+            </a:extLst>
+          </a:blip>
+          <a:stretch>
+            <a:fillRect/>
+          </a:stretch>
+        </p:blipFill>
+        <p:spPr>
+          <a:xfrm>
+            <a:off x="5172118" y="3696628"/>
+            <a:ext cx="459305" cy="574131"/>
+          </a:xfrm>
+          <a:prstGeom prst="rect">
+            <a:avLst/>
+          </a:prstGeom>
+        </p:spPr>
+      </p:pic>
+      <p:pic>
+        <p:nvPicPr>
+          <p:cNvPr id="11" name="圖片 10"/>
+          <p:cNvPicPr>
+            <a:picLocks noChangeAspect="1"/>
+          </p:cNvPicPr>
+          <p:nvPr/>
+        </p:nvPicPr>
+        <p:blipFill>
+          <a:blip r:embed="rId6" cstate="print">
+            <a:extLst>
+              <a:ext uri="{28A0092B-C50C-407E-A947-70E740481C1C}">
+                <a14:useLocalDpi xmlns:a14="http://schemas.microsoft.com/office/drawing/2010/main" val="0"/>
+              </a:ext>
+            </a:extLst>
+          </a:blip>
+          <a:stretch>
+            <a:fillRect/>
+          </a:stretch>
+        </p:blipFill>
+        <p:spPr>
+          <a:xfrm>
+            <a:off x="3074469" y="1390127"/>
+            <a:ext cx="1611832" cy="638515"/>
+          </a:xfrm>
+          <a:prstGeom prst="rect">
+            <a:avLst/>
+          </a:prstGeom>
+        </p:spPr>
+      </p:pic>
     </p:spTree>
     <p:extLst>
       <p:ext uri="{BB962C8B-B14F-4D97-AF65-F5344CB8AC3E}">
         <p14:creationId xmlns:p14="http://schemas.microsoft.com/office/powerpoint/2010/main" val="126259942"/>
+      </p:ext>
+    </p:extLst>
+  </p:cSld>
+  <p:clrMapOvr>
+    <a:masterClrMapping/>
+  </p:clrMapOvr>
+  <p:timing>
+    <p:tnLst>
+      <p:par>
+        <p:cTn id="1" dur="indefinite" restart="never" nodeType="tmRoot">
+          <p:childTnLst>
+            <p:seq concurrent="1" nextAc="seek">
+              <p:cTn id="2" dur="indefinite" nodeType="mainSeq">
+                <p:childTnLst>
+                  <p:par>
+                    <p:cTn id="3" fill="hold">
+                      <p:stCondLst>
+                        <p:cond delay="indefinite"/>
+                      </p:stCondLst>
+                      <p:childTnLst>
+                        <p:par>
+                          <p:cTn id="4" fill="hold">
+                            <p:stCondLst>
+                              <p:cond delay="0"/>
+                            </p:stCondLst>
+                            <p:childTnLst>
+                              <p:par>
+                                <p:cTn id="5" presetID="2" presetClass="entr" presetSubtype="4" fill="hold" nodeType="clickEffect">
+                                  <p:stCondLst>
+                                    <p:cond delay="0"/>
+                                  </p:stCondLst>
+                                  <p:childTnLst>
+                                    <p:set>
+                                      <p:cBhvr>
+                                        <p:cTn id="6" dur="1" fill="hold">
+                                          <p:stCondLst>
+                                            <p:cond delay="0"/>
+                                          </p:stCondLst>
+                                        </p:cTn>
+                                        <p:tgtEl>
+                                          <p:spTgt spid="10"/>
+                                        </p:tgtEl>
+                                        <p:attrNameLst>
+                                          <p:attrName>style.visibility</p:attrName>
+                                        </p:attrNameLst>
+                                      </p:cBhvr>
+                                      <p:to>
+                                        <p:strVal val="visible"/>
+                                      </p:to>
+                                    </p:set>
+                                    <p:anim calcmode="lin" valueType="num">
+                                      <p:cBhvr additive="base">
+                                        <p:cTn id="7" dur="500" fill="hold"/>
+                                        <p:tgtEl>
+                                          <p:spTgt spid="10"/>
+                                        </p:tgtEl>
+                                        <p:attrNameLst>
+                                          <p:attrName>ppt_x</p:attrName>
+                                        </p:attrNameLst>
+                                      </p:cBhvr>
+                                      <p:tavLst>
+                                        <p:tav tm="0">
+                                          <p:val>
+                                            <p:strVal val="#ppt_x"/>
+                                          </p:val>
+                                        </p:tav>
+                                        <p:tav tm="100000">
+                                          <p:val>
+                                            <p:strVal val="#ppt_x"/>
+                                          </p:val>
+                                        </p:tav>
+                                      </p:tavLst>
+                                    </p:anim>
+                                    <p:anim calcmode="lin" valueType="num">
+                                      <p:cBhvr additive="base">
+                                        <p:cTn id="8" dur="500" fill="hold"/>
+                                        <p:tgtEl>
+                                          <p:spTgt spid="10"/>
+                                        </p:tgtEl>
+                                        <p:attrNameLst>
+                                          <p:attrName>ppt_y</p:attrName>
+                                        </p:attrNameLst>
+                                      </p:cBhvr>
+                                      <p:tavLst>
+                                        <p:tav tm="0">
+                                          <p:val>
+                                            <p:strVal val="1+#ppt_h/2"/>
+                                          </p:val>
+                                        </p:tav>
+                                        <p:tav tm="100000">
+                                          <p:val>
+                                            <p:strVal val="#ppt_y"/>
+                                          </p:val>
+                                        </p:tav>
+                                      </p:tavLst>
+                                    </p:anim>
+                                  </p:childTnLst>
+                                </p:cTn>
+                              </p:par>
+                            </p:childTnLst>
+                          </p:cTn>
+                        </p:par>
+                      </p:childTnLst>
+                    </p:cTn>
+                  </p:par>
+                </p:childTnLst>
+              </p:cTn>
+              <p:prevCondLst>
+                <p:cond evt="onPrev" delay="0">
+                  <p:tgtEl>
+                    <p:sldTgt/>
+                  </p:tgtEl>
+                </p:cond>
+              </p:prevCondLst>
+              <p:nextCondLst>
+                <p:cond evt="onNext" delay="0">
+                  <p:tgtEl>
+                    <p:sldTgt/>
+                  </p:tgtEl>
+                </p:cond>
+              </p:nextCondLst>
+            </p:seq>
+          </p:childTnLst>
+        </p:cTn>
+      </p:par>
+    </p:tnLst>
+  </p:timing>
+</p:sld>
+</file>
+
+<file path=ppt/slides/slide25.xml><?xml version="1.0" encoding="utf-8"?>
+<p:sld xmlns:a="http://schemas.openxmlformats.org/drawingml/2006/main" xmlns:r="http://schemas.openxmlformats.org/officeDocument/2006/relationships" xmlns:p="http://schemas.openxmlformats.org/presentationml/2006/main">
+  <p:cSld>
+    <p:spTree>
+      <p:nvGrpSpPr>
+        <p:cNvPr id="1" name=""/>
+        <p:cNvGrpSpPr/>
+        <p:nvPr/>
+      </p:nvGrpSpPr>
+      <p:grpSpPr>
+        <a:xfrm>
+          <a:off x="0" y="0"/>
+          <a:ext cx="0" cy="0"/>
+          <a:chOff x="0" y="0"/>
+          <a:chExt cx="0" cy="0"/>
+        </a:xfrm>
+      </p:grpSpPr>
+      <p:pic>
+        <p:nvPicPr>
+          <p:cNvPr id="4" name="圖片 3"/>
+          <p:cNvPicPr>
+            <a:picLocks noChangeAspect="1"/>
+          </p:cNvPicPr>
+          <p:nvPr/>
+        </p:nvPicPr>
+        <p:blipFill>
+          <a:blip r:embed="rId2">
+            <a:extLst>
+              <a:ext uri="{28A0092B-C50C-407E-A947-70E740481C1C}">
+                <a14:useLocalDpi xmlns:a14="http://schemas.microsoft.com/office/drawing/2010/main" val="0"/>
+              </a:ext>
+            </a:extLst>
+          </a:blip>
+          <a:stretch>
+            <a:fillRect/>
+          </a:stretch>
+        </p:blipFill>
+        <p:spPr>
+          <a:xfrm>
+            <a:off x="1451138" y="634613"/>
+            <a:ext cx="9172575" cy="5571859"/>
+          </a:xfrm>
+          <a:prstGeom prst="rect">
+            <a:avLst/>
+          </a:prstGeom>
+        </p:spPr>
+      </p:pic>
+      <p:pic>
+        <p:nvPicPr>
+          <p:cNvPr id="3" name="圖片 2"/>
+          <p:cNvPicPr>
+            <a:picLocks/>
+          </p:cNvPicPr>
+          <p:nvPr/>
+        </p:nvPicPr>
+        <p:blipFill>
+          <a:blip r:embed="rId3" cstate="print">
+            <a:extLst>
+              <a:ext uri="{28A0092B-C50C-407E-A947-70E740481C1C}">
+                <a14:useLocalDpi xmlns:a14="http://schemas.microsoft.com/office/drawing/2010/main" val="0"/>
+              </a:ext>
+            </a:extLst>
+          </a:blip>
+          <a:stretch>
+            <a:fillRect/>
+          </a:stretch>
+        </p:blipFill>
+        <p:spPr>
+          <a:xfrm>
+            <a:off x="2239200" y="1317600"/>
+            <a:ext cx="7606800" cy="4212000"/>
+          </a:xfrm>
+          <a:prstGeom prst="rect">
+            <a:avLst/>
+          </a:prstGeom>
+        </p:spPr>
+      </p:pic>
+      <p:pic>
+        <p:nvPicPr>
+          <p:cNvPr id="5" name="圖片 4"/>
+          <p:cNvPicPr>
+            <a:picLocks noChangeAspect="1"/>
+          </p:cNvPicPr>
+          <p:nvPr/>
+        </p:nvPicPr>
+        <p:blipFill>
+          <a:blip r:embed="rId4" cstate="print">
+            <a:extLst>
+              <a:ext uri="{28A0092B-C50C-407E-A947-70E740481C1C}">
+                <a14:useLocalDpi xmlns:a14="http://schemas.microsoft.com/office/drawing/2010/main" val="0"/>
+              </a:ext>
+            </a:extLst>
+          </a:blip>
+          <a:stretch>
+            <a:fillRect/>
+          </a:stretch>
+        </p:blipFill>
+        <p:spPr>
+          <a:xfrm>
+            <a:off x="3068603" y="1393800"/>
+            <a:ext cx="1613749" cy="648360"/>
+          </a:xfrm>
+          <a:prstGeom prst="rect">
+            <a:avLst/>
+          </a:prstGeom>
+        </p:spPr>
+      </p:pic>
+      <p:sp>
+        <p:nvSpPr>
+          <p:cNvPr id="6" name="圓角矩形 5"/>
+          <p:cNvSpPr/>
+          <p:nvPr/>
+        </p:nvSpPr>
+        <p:spPr>
+          <a:xfrm>
+            <a:off x="4489110" y="2825403"/>
+            <a:ext cx="3096630" cy="1190278"/>
+          </a:xfrm>
+          <a:prstGeom prst="roundRect">
+            <a:avLst/>
+          </a:prstGeom>
+        </p:spPr>
+        <p:style>
+          <a:lnRef idx="3">
+            <a:schemeClr val="lt1"/>
+          </a:lnRef>
+          <a:fillRef idx="1">
+            <a:schemeClr val="accent4"/>
+          </a:fillRef>
+          <a:effectRef idx="1">
+            <a:schemeClr val="accent4"/>
+          </a:effectRef>
+          <a:fontRef idx="minor">
+            <a:schemeClr val="lt1"/>
+          </a:fontRef>
+        </p:style>
+        <p:txBody>
+          <a:bodyPr rtlCol="0" anchor="ctr"/>
+          <a:lstStyle/>
+          <a:p>
+            <a:pPr algn="ctr"/>
+            <a:r>
+              <a:rPr lang="en-US" altLang="zh-TW" b="1" dirty="0" smtClean="0">
+                <a:solidFill>
+                  <a:schemeClr val="tx1"/>
+                </a:solidFill>
+                <a:latin typeface="微軟正黑體" panose="020B0604030504040204" pitchFamily="34" charset="-120"/>
+                <a:ea typeface="微軟正黑體" panose="020B0604030504040204" pitchFamily="34" charset="-120"/>
+              </a:rPr>
+              <a:t>Tomato</a:t>
+            </a:r>
+            <a:r>
+              <a:rPr lang="zh-TW" altLang="en-US" b="1" dirty="0" smtClean="0">
+                <a:solidFill>
+                  <a:schemeClr val="tx1"/>
+                </a:solidFill>
+                <a:latin typeface="微軟正黑體" panose="020B0604030504040204" pitchFamily="34" charset="-120"/>
+                <a:ea typeface="微軟正黑體" panose="020B0604030504040204" pitchFamily="34" charset="-120"/>
+              </a:rPr>
+              <a:t>已採收完成。</a:t>
+            </a:r>
+            <a:endParaRPr lang="en-US" altLang="zh-TW" b="1" dirty="0" smtClean="0">
+              <a:solidFill>
+                <a:schemeClr val="tx1"/>
+              </a:solidFill>
+              <a:latin typeface="微軟正黑體" panose="020B0604030504040204" pitchFamily="34" charset="-120"/>
+              <a:ea typeface="微軟正黑體" panose="020B0604030504040204" pitchFamily="34" charset="-120"/>
+            </a:endParaRPr>
+          </a:p>
+          <a:p>
+            <a:pPr algn="ctr"/>
+            <a:r>
+              <a:rPr lang="zh-TW" altLang="en-US" b="1" dirty="0" smtClean="0">
+                <a:solidFill>
+                  <a:schemeClr val="tx1"/>
+                </a:solidFill>
+                <a:latin typeface="微軟正黑體" panose="020B0604030504040204" pitchFamily="34" charset="-120"/>
+                <a:ea typeface="微軟正黑體" panose="020B0604030504040204" pitchFamily="34" charset="-120"/>
+              </a:rPr>
+              <a:t>獲得經驗值</a:t>
+            </a:r>
+            <a:r>
+              <a:rPr lang="en-US" altLang="zh-TW" b="1" dirty="0" smtClean="0">
+                <a:solidFill>
+                  <a:schemeClr val="tx1"/>
+                </a:solidFill>
+                <a:latin typeface="微軟正黑體" panose="020B0604030504040204" pitchFamily="34" charset="-120"/>
+                <a:ea typeface="微軟正黑體" panose="020B0604030504040204" pitchFamily="34" charset="-120"/>
+              </a:rPr>
+              <a:t>10</a:t>
+            </a:r>
+            <a:r>
+              <a:rPr lang="zh-TW" altLang="en-US" b="1" dirty="0" smtClean="0">
+                <a:solidFill>
+                  <a:schemeClr val="tx1"/>
+                </a:solidFill>
+                <a:latin typeface="微軟正黑體" panose="020B0604030504040204" pitchFamily="34" charset="-120"/>
+                <a:ea typeface="微軟正黑體" panose="020B0604030504040204" pitchFamily="34" charset="-120"/>
+              </a:rPr>
+              <a:t>，</a:t>
+            </a:r>
+            <a:endParaRPr lang="en-US" altLang="zh-TW" b="1" dirty="0" smtClean="0">
+              <a:solidFill>
+                <a:schemeClr val="tx1"/>
+              </a:solidFill>
+              <a:latin typeface="微軟正黑體" panose="020B0604030504040204" pitchFamily="34" charset="-120"/>
+              <a:ea typeface="微軟正黑體" panose="020B0604030504040204" pitchFamily="34" charset="-120"/>
+            </a:endParaRPr>
+          </a:p>
+          <a:p>
+            <a:pPr algn="ctr"/>
+            <a:r>
+              <a:rPr lang="zh-TW" altLang="en-US" b="1" dirty="0" smtClean="0">
+                <a:solidFill>
+                  <a:schemeClr val="tx1"/>
+                </a:solidFill>
+                <a:latin typeface="微軟正黑體" panose="020B0604030504040204" pitchFamily="34" charset="-120"/>
+                <a:ea typeface="微軟正黑體" panose="020B0604030504040204" pitchFamily="34" charset="-120"/>
+              </a:rPr>
+              <a:t>扣除金幣</a:t>
+            </a:r>
+            <a:r>
+              <a:rPr lang="en-US" altLang="zh-TW" b="1" dirty="0" smtClean="0">
+                <a:solidFill>
+                  <a:schemeClr val="tx1"/>
+                </a:solidFill>
+                <a:latin typeface="微軟正黑體" panose="020B0604030504040204" pitchFamily="34" charset="-120"/>
+                <a:ea typeface="微軟正黑體" panose="020B0604030504040204" pitchFamily="34" charset="-120"/>
+              </a:rPr>
+              <a:t>500</a:t>
+            </a:r>
+            <a:r>
+              <a:rPr lang="zh-TW" altLang="en-US" b="1" dirty="0" smtClean="0">
+                <a:solidFill>
+                  <a:schemeClr val="tx1"/>
+                </a:solidFill>
+                <a:latin typeface="微軟正黑體" panose="020B0604030504040204" pitchFamily="34" charset="-120"/>
+                <a:ea typeface="微軟正黑體" panose="020B0604030504040204" pitchFamily="34" charset="-120"/>
+              </a:rPr>
+              <a:t>、體力</a:t>
+            </a:r>
+            <a:r>
+              <a:rPr lang="en-US" altLang="zh-TW" b="1" dirty="0" smtClean="0">
+                <a:solidFill>
+                  <a:schemeClr val="tx1"/>
+                </a:solidFill>
+                <a:latin typeface="微軟正黑體" panose="020B0604030504040204" pitchFamily="34" charset="-120"/>
+                <a:ea typeface="微軟正黑體" panose="020B0604030504040204" pitchFamily="34" charset="-120"/>
+              </a:rPr>
+              <a:t>1</a:t>
+            </a:r>
+            <a:r>
+              <a:rPr lang="zh-TW" altLang="en-US" b="1" dirty="0" smtClean="0">
+                <a:solidFill>
+                  <a:schemeClr val="tx1"/>
+                </a:solidFill>
+                <a:latin typeface="微軟正黑體" panose="020B0604030504040204" pitchFamily="34" charset="-120"/>
+                <a:ea typeface="微軟正黑體" panose="020B0604030504040204" pitchFamily="34" charset="-120"/>
+              </a:rPr>
+              <a:t>。</a:t>
+            </a:r>
+            <a:endParaRPr lang="zh-TW" altLang="en-US" b="1" dirty="0">
+              <a:solidFill>
+                <a:schemeClr val="tx1"/>
+              </a:solidFill>
+              <a:latin typeface="微軟正黑體" panose="020B0604030504040204" pitchFamily="34" charset="-120"/>
+              <a:ea typeface="微軟正黑體" panose="020B0604030504040204" pitchFamily="34" charset="-120"/>
+            </a:endParaRPr>
+          </a:p>
+        </p:txBody>
+      </p:sp>
+    </p:spTree>
+    <p:extLst>
+      <p:ext uri="{BB962C8B-B14F-4D97-AF65-F5344CB8AC3E}">
+        <p14:creationId xmlns:p14="http://schemas.microsoft.com/office/powerpoint/2010/main" val="1195543387"/>
       </p:ext>
     </p:extLst>
   </p:cSld>
@@ -5794,7 +6762,7 @@
 </p:sld>
 </file>
 
-<file path=ppt/slides/slide25.xml><?xml version="1.0" encoding="utf-8"?>
+<file path=ppt/slides/slide26.xml><?xml version="1.0" encoding="utf-8"?>
 <p:sld xmlns:a="http://schemas.openxmlformats.org/drawingml/2006/main" xmlns:r="http://schemas.openxmlformats.org/officeDocument/2006/relationships" xmlns:p="http://schemas.openxmlformats.org/presentationml/2006/main">
   <p:cSld>
     <p:spTree>
@@ -5915,10 +6883,17 @@
   <p:clrMapOvr>
     <a:masterClrMapping/>
   </p:clrMapOvr>
+  <p:timing>
+    <p:tnLst>
+      <p:par>
+        <p:cTn id="1" dur="indefinite" restart="never" nodeType="tmRoot"/>
+      </p:par>
+    </p:tnLst>
+  </p:timing>
 </p:sld>
 </file>
 
-<file path=ppt/slides/slide26.xml><?xml version="1.0" encoding="utf-8"?>
+<file path=ppt/slides/slide27.xml><?xml version="1.0" encoding="utf-8"?>
 <p:sld xmlns:a="http://schemas.openxmlformats.org/drawingml/2006/main" xmlns:r="http://schemas.openxmlformats.org/officeDocument/2006/relationships" xmlns:p="http://schemas.openxmlformats.org/presentationml/2006/main">
   <p:cSld>
     <p:spTree>
@@ -5985,7 +6960,7 @@
 </p:sld>
 </file>
 
-<file path=ppt/slides/slide27.xml><?xml version="1.0" encoding="utf-8"?>
+<file path=ppt/slides/slide28.xml><?xml version="1.0" encoding="utf-8"?>
 <p:sld xmlns:a="http://schemas.openxmlformats.org/drawingml/2006/main" xmlns:r="http://schemas.openxmlformats.org/officeDocument/2006/relationships" xmlns:p="http://schemas.openxmlformats.org/presentationml/2006/main">
   <p:cSld>
     <p:spTree>
@@ -6692,6 +7667,13 @@
   <p:clrMapOvr>
     <a:masterClrMapping/>
   </p:clrMapOvr>
+  <p:timing>
+    <p:tnLst>
+      <p:par>
+        <p:cTn id="1" dur="indefinite" restart="never" nodeType="tmRoot"/>
+      </p:par>
+    </p:tnLst>
+  </p:timing>
 </p:sld>
 </file>
 
